--- a/화면 설계도-v2.3.pptx
+++ b/화면 설계도-v2.3.pptx
@@ -211,7 +211,7 @@
           <a:p>
             <a:fld id="{179A9787-FC80-4B0D-92D9-98ADD71D3C9D}" type="datetimeFigureOut">
               <a:rPr lang="ko-KR" altLang="en-US" smtClean="0"/>
-              <a:t>2019-11-21</a:t>
+              <a:t>2020-04-28</a:t>
             </a:fld>
             <a:endParaRPr lang="ko-KR" altLang="en-US"/>
           </a:p>
@@ -709,7 +709,7 @@
           <a:p>
             <a:fld id="{A4CC9552-1C12-4EE7-BB4C-BFD494F3D5BE}" type="datetimeFigureOut">
               <a:rPr lang="ko-KR" altLang="en-US" smtClean="0"/>
-              <a:t>2019-11-21</a:t>
+              <a:t>2020-04-28</a:t>
             </a:fld>
             <a:endParaRPr lang="ko-KR" altLang="en-US"/>
           </a:p>
@@ -907,7 +907,7 @@
           <a:p>
             <a:fld id="{A4CC9552-1C12-4EE7-BB4C-BFD494F3D5BE}" type="datetimeFigureOut">
               <a:rPr lang="ko-KR" altLang="en-US" smtClean="0"/>
-              <a:t>2019-11-21</a:t>
+              <a:t>2020-04-28</a:t>
             </a:fld>
             <a:endParaRPr lang="ko-KR" altLang="en-US"/>
           </a:p>
@@ -1115,7 +1115,7 @@
           <a:p>
             <a:fld id="{A4CC9552-1C12-4EE7-BB4C-BFD494F3D5BE}" type="datetimeFigureOut">
               <a:rPr lang="ko-KR" altLang="en-US" smtClean="0"/>
-              <a:t>2019-11-21</a:t>
+              <a:t>2020-04-28</a:t>
             </a:fld>
             <a:endParaRPr lang="ko-KR" altLang="en-US"/>
           </a:p>
@@ -1313,7 +1313,7 @@
           <a:p>
             <a:fld id="{A4CC9552-1C12-4EE7-BB4C-BFD494F3D5BE}" type="datetimeFigureOut">
               <a:rPr lang="ko-KR" altLang="en-US" smtClean="0"/>
-              <a:t>2019-11-21</a:t>
+              <a:t>2020-04-28</a:t>
             </a:fld>
             <a:endParaRPr lang="ko-KR" altLang="en-US"/>
           </a:p>
@@ -1588,7 +1588,7 @@
           <a:p>
             <a:fld id="{A4CC9552-1C12-4EE7-BB4C-BFD494F3D5BE}" type="datetimeFigureOut">
               <a:rPr lang="ko-KR" altLang="en-US" smtClean="0"/>
-              <a:t>2019-11-21</a:t>
+              <a:t>2020-04-28</a:t>
             </a:fld>
             <a:endParaRPr lang="ko-KR" altLang="en-US"/>
           </a:p>
@@ -1853,7 +1853,7 @@
           <a:p>
             <a:fld id="{A4CC9552-1C12-4EE7-BB4C-BFD494F3D5BE}" type="datetimeFigureOut">
               <a:rPr lang="ko-KR" altLang="en-US" smtClean="0"/>
-              <a:t>2019-11-21</a:t>
+              <a:t>2020-04-28</a:t>
             </a:fld>
             <a:endParaRPr lang="ko-KR" altLang="en-US"/>
           </a:p>
@@ -2265,7 +2265,7 @@
           <a:p>
             <a:fld id="{A4CC9552-1C12-4EE7-BB4C-BFD494F3D5BE}" type="datetimeFigureOut">
               <a:rPr lang="ko-KR" altLang="en-US" smtClean="0"/>
-              <a:t>2019-11-21</a:t>
+              <a:t>2020-04-28</a:t>
             </a:fld>
             <a:endParaRPr lang="ko-KR" altLang="en-US"/>
           </a:p>
@@ -2406,7 +2406,7 @@
           <a:p>
             <a:fld id="{A4CC9552-1C12-4EE7-BB4C-BFD494F3D5BE}" type="datetimeFigureOut">
               <a:rPr lang="ko-KR" altLang="en-US" smtClean="0"/>
-              <a:t>2019-11-21</a:t>
+              <a:t>2020-04-28</a:t>
             </a:fld>
             <a:endParaRPr lang="ko-KR" altLang="en-US"/>
           </a:p>
@@ -2519,7 +2519,7 @@
           <a:p>
             <a:fld id="{A4CC9552-1C12-4EE7-BB4C-BFD494F3D5BE}" type="datetimeFigureOut">
               <a:rPr lang="ko-KR" altLang="en-US" smtClean="0"/>
-              <a:t>2019-11-21</a:t>
+              <a:t>2020-04-28</a:t>
             </a:fld>
             <a:endParaRPr lang="ko-KR" altLang="en-US"/>
           </a:p>
@@ -2830,7 +2830,7 @@
           <a:p>
             <a:fld id="{A4CC9552-1C12-4EE7-BB4C-BFD494F3D5BE}" type="datetimeFigureOut">
               <a:rPr lang="ko-KR" altLang="en-US" smtClean="0"/>
-              <a:t>2019-11-21</a:t>
+              <a:t>2020-04-28</a:t>
             </a:fld>
             <a:endParaRPr lang="ko-KR" altLang="en-US"/>
           </a:p>
@@ -3118,7 +3118,7 @@
           <a:p>
             <a:fld id="{A4CC9552-1C12-4EE7-BB4C-BFD494F3D5BE}" type="datetimeFigureOut">
               <a:rPr lang="ko-KR" altLang="en-US" smtClean="0"/>
-              <a:t>2019-11-21</a:t>
+              <a:t>2020-04-28</a:t>
             </a:fld>
             <a:endParaRPr lang="ko-KR" altLang="en-US"/>
           </a:p>
@@ -3359,7 +3359,7 @@
           <a:p>
             <a:fld id="{A4CC9552-1C12-4EE7-BB4C-BFD494F3D5BE}" type="datetimeFigureOut">
               <a:rPr lang="ko-KR" altLang="en-US" smtClean="0"/>
-              <a:t>2019-11-21</a:t>
+              <a:t>2020-04-28</a:t>
             </a:fld>
             <a:endParaRPr lang="ko-KR" altLang="en-US"/>
           </a:p>
